--- a/spring aop 原理.pptx
+++ b/spring aop 原理.pptx
@@ -9,16 +9,17 @@
     <p:sldId id="265" r:id="rId3"/>
     <p:sldId id="263" r:id="rId4"/>
     <p:sldId id="264" r:id="rId5"/>
-    <p:sldId id="262" r:id="rId6"/>
-    <p:sldId id="259" r:id="rId7"/>
-    <p:sldId id="260" r:id="rId8"/>
-    <p:sldId id="268" r:id="rId9"/>
-    <p:sldId id="270" r:id="rId10"/>
-    <p:sldId id="267" r:id="rId11"/>
-    <p:sldId id="269" r:id="rId12"/>
-    <p:sldId id="272" r:id="rId13"/>
-    <p:sldId id="271" r:id="rId14"/>
-    <p:sldId id="266" r:id="rId15"/>
+    <p:sldId id="273" r:id="rId6"/>
+    <p:sldId id="262" r:id="rId7"/>
+    <p:sldId id="259" r:id="rId8"/>
+    <p:sldId id="260" r:id="rId9"/>
+    <p:sldId id="268" r:id="rId10"/>
+    <p:sldId id="270" r:id="rId11"/>
+    <p:sldId id="267" r:id="rId12"/>
+    <p:sldId id="269" r:id="rId13"/>
+    <p:sldId id="272" r:id="rId14"/>
+    <p:sldId id="271" r:id="rId15"/>
+    <p:sldId id="266" r:id="rId16"/>
   </p:sldIdLst>
   <p:sldSz cx="12192000" cy="6858000"/>
   <p:notesSz cx="6858000" cy="9144000"/>
@@ -296,7 +297,7 @@
           <a:p>
             <a:fld id="{DAF0B3A2-24B6-456C-AEC9-64D6EF20FEE1}" type="datetimeFigureOut">
               <a:rPr lang="zh-CN" altLang="en-US" smtClean="0"/>
-              <a:t>2019/4/14</a:t>
+              <a:t>2019/4/15</a:t>
             </a:fld>
             <a:endParaRPr lang="zh-CN" altLang="en-US"/>
           </a:p>
@@ -608,7 +609,7 @@
           <a:p>
             <a:fld id="{DAF0B3A2-24B6-456C-AEC9-64D6EF20FEE1}" type="datetimeFigureOut">
               <a:rPr lang="zh-CN" altLang="en-US" smtClean="0"/>
-              <a:t>2019/4/14</a:t>
+              <a:t>2019/4/15</a:t>
             </a:fld>
             <a:endParaRPr lang="zh-CN" altLang="en-US"/>
           </a:p>
@@ -830,7 +831,7 @@
           <a:p>
             <a:fld id="{DAF0B3A2-24B6-456C-AEC9-64D6EF20FEE1}" type="datetimeFigureOut">
               <a:rPr lang="zh-CN" altLang="en-US" smtClean="0"/>
-              <a:t>2019/4/14</a:t>
+              <a:t>2019/4/15</a:t>
             </a:fld>
             <a:endParaRPr lang="zh-CN" altLang="en-US"/>
           </a:p>
@@ -1121,7 +1122,7 @@
           <a:p>
             <a:fld id="{DAF0B3A2-24B6-456C-AEC9-64D6EF20FEE1}" type="datetimeFigureOut">
               <a:rPr lang="zh-CN" altLang="en-US" smtClean="0"/>
-              <a:t>2019/4/14</a:t>
+              <a:t>2019/4/15</a:t>
             </a:fld>
             <a:endParaRPr lang="zh-CN" altLang="en-US"/>
           </a:p>
@@ -1575,7 +1576,7 @@
           <a:p>
             <a:fld id="{DAF0B3A2-24B6-456C-AEC9-64D6EF20FEE1}" type="datetimeFigureOut">
               <a:rPr lang="zh-CN" altLang="en-US" smtClean="0"/>
-              <a:t>2019/4/14</a:t>
+              <a:t>2019/4/15</a:t>
             </a:fld>
             <a:endParaRPr lang="zh-CN" altLang="en-US"/>
           </a:p>
@@ -2151,7 +2152,7 @@
           <a:p>
             <a:fld id="{DAF0B3A2-24B6-456C-AEC9-64D6EF20FEE1}" type="datetimeFigureOut">
               <a:rPr lang="zh-CN" altLang="en-US" smtClean="0"/>
-              <a:t>2019/4/14</a:t>
+              <a:t>2019/4/15</a:t>
             </a:fld>
             <a:endParaRPr lang="zh-CN" altLang="en-US"/>
           </a:p>
@@ -3003,7 +3004,7 @@
           <a:p>
             <a:fld id="{DAF0B3A2-24B6-456C-AEC9-64D6EF20FEE1}" type="datetimeFigureOut">
               <a:rPr lang="zh-CN" altLang="en-US" smtClean="0"/>
-              <a:t>2019/4/14</a:t>
+              <a:t>2019/4/15</a:t>
             </a:fld>
             <a:endParaRPr lang="zh-CN" altLang="en-US"/>
           </a:p>
@@ -3208,7 +3209,7 @@
           <a:p>
             <a:fld id="{DAF0B3A2-24B6-456C-AEC9-64D6EF20FEE1}" type="datetimeFigureOut">
               <a:rPr lang="zh-CN" altLang="en-US" smtClean="0"/>
-              <a:t>2019/4/14</a:t>
+              <a:t>2019/4/15</a:t>
             </a:fld>
             <a:endParaRPr lang="zh-CN" altLang="en-US"/>
           </a:p>
@@ -3422,7 +3423,7 @@
           <a:p>
             <a:fld id="{DAF0B3A2-24B6-456C-AEC9-64D6EF20FEE1}" type="datetimeFigureOut">
               <a:rPr lang="zh-CN" altLang="en-US" smtClean="0"/>
-              <a:t>2019/4/14</a:t>
+              <a:t>2019/4/15</a:t>
             </a:fld>
             <a:endParaRPr lang="zh-CN" altLang="en-US"/>
           </a:p>
@@ -3592,7 +3593,7 @@
           <a:p>
             <a:fld id="{DAF0B3A2-24B6-456C-AEC9-64D6EF20FEE1}" type="datetimeFigureOut">
               <a:rPr lang="zh-CN" altLang="en-US" smtClean="0"/>
-              <a:t>2019/4/14</a:t>
+              <a:t>2019/4/15</a:t>
             </a:fld>
             <a:endParaRPr lang="zh-CN" altLang="en-US"/>
           </a:p>
@@ -3797,7 +3798,7 @@
           <a:p>
             <a:fld id="{DAF0B3A2-24B6-456C-AEC9-64D6EF20FEE1}" type="datetimeFigureOut">
               <a:rPr lang="zh-CN" altLang="en-US" smtClean="0"/>
-              <a:t>2019/4/14</a:t>
+              <a:t>2019/4/15</a:t>
             </a:fld>
             <a:endParaRPr lang="zh-CN" altLang="en-US"/>
           </a:p>
@@ -4077,7 +4078,7 @@
           <a:p>
             <a:fld id="{DAF0B3A2-24B6-456C-AEC9-64D6EF20FEE1}" type="datetimeFigureOut">
               <a:rPr lang="zh-CN" altLang="en-US" smtClean="0"/>
-              <a:t>2019/4/14</a:t>
+              <a:t>2019/4/15</a:t>
             </a:fld>
             <a:endParaRPr lang="zh-CN" altLang="en-US"/>
           </a:p>
@@ -4344,7 +4345,7 @@
           <a:p>
             <a:fld id="{DAF0B3A2-24B6-456C-AEC9-64D6EF20FEE1}" type="datetimeFigureOut">
               <a:rPr lang="zh-CN" altLang="en-US" smtClean="0"/>
-              <a:t>2019/4/14</a:t>
+              <a:t>2019/4/15</a:t>
             </a:fld>
             <a:endParaRPr lang="zh-CN" altLang="en-US"/>
           </a:p>
@@ -4759,7 +4760,7 @@
           <a:p>
             <a:fld id="{DAF0B3A2-24B6-456C-AEC9-64D6EF20FEE1}" type="datetimeFigureOut">
               <a:rPr lang="zh-CN" altLang="en-US" smtClean="0"/>
-              <a:t>2019/4/14</a:t>
+              <a:t>2019/4/15</a:t>
             </a:fld>
             <a:endParaRPr lang="zh-CN" altLang="en-US"/>
           </a:p>
@@ -4907,7 +4908,7 @@
           <a:p>
             <a:fld id="{DAF0B3A2-24B6-456C-AEC9-64D6EF20FEE1}" type="datetimeFigureOut">
               <a:rPr lang="zh-CN" altLang="en-US" smtClean="0"/>
-              <a:t>2019/4/14</a:t>
+              <a:t>2019/4/15</a:t>
             </a:fld>
             <a:endParaRPr lang="zh-CN" altLang="en-US"/>
           </a:p>
@@ -5032,7 +5033,7 @@
           <a:p>
             <a:fld id="{DAF0B3A2-24B6-456C-AEC9-64D6EF20FEE1}" type="datetimeFigureOut">
               <a:rPr lang="zh-CN" altLang="en-US" smtClean="0"/>
-              <a:t>2019/4/14</a:t>
+              <a:t>2019/4/15</a:t>
             </a:fld>
             <a:endParaRPr lang="zh-CN" altLang="en-US"/>
           </a:p>
@@ -5311,7 +5312,7 @@
           <a:p>
             <a:fld id="{DAF0B3A2-24B6-456C-AEC9-64D6EF20FEE1}" type="datetimeFigureOut">
               <a:rPr lang="zh-CN" altLang="en-US" smtClean="0"/>
-              <a:t>2019/4/14</a:t>
+              <a:t>2019/4/15</a:t>
             </a:fld>
             <a:endParaRPr lang="zh-CN" altLang="en-US"/>
           </a:p>
@@ -5623,7 +5624,7 @@
           <a:p>
             <a:fld id="{DAF0B3A2-24B6-456C-AEC9-64D6EF20FEE1}" type="datetimeFigureOut">
               <a:rPr lang="zh-CN" altLang="en-US" smtClean="0"/>
-              <a:t>2019/4/14</a:t>
+              <a:t>2019/4/15</a:t>
             </a:fld>
             <a:endParaRPr lang="zh-CN" altLang="en-US"/>
           </a:p>
@@ -5876,7 +5877,7 @@
           <a:p>
             <a:fld id="{DAF0B3A2-24B6-456C-AEC9-64D6EF20FEE1}" type="datetimeFigureOut">
               <a:rPr lang="zh-CN" altLang="en-US" smtClean="0"/>
-              <a:t>2019/4/14</a:t>
+              <a:t>2019/4/15</a:t>
             </a:fld>
             <a:endParaRPr lang="zh-CN" altLang="en-US"/>
           </a:p>
@@ -6669,365 +6670,40 @@
           <a:chExt cx="0" cy="0"/>
         </a:xfrm>
       </p:grpSpPr>
-      <p:sp>
-        <p:nvSpPr>
-          <p:cNvPr id="2" name="标题 1">
+      <p:pic>
+        <p:nvPicPr>
+          <p:cNvPr id="4" name="图片 3">
             <a:extLst>
               <a:ext uri="{FF2B5EF4-FFF2-40B4-BE49-F238E27FC236}">
-                <a16:creationId xmlns:a16="http://schemas.microsoft.com/office/drawing/2014/main" id="{5337784D-058D-47D6-8C28-335F0425C626}"/>
+                <a16:creationId xmlns:a16="http://schemas.microsoft.com/office/drawing/2014/main" id="{39BACF04-1406-4473-8C12-1BAE798119C1}"/>
               </a:ext>
             </a:extLst>
           </p:cNvPr>
-          <p:cNvSpPr>
-            <a:spLocks noGrp="1"/>
-          </p:cNvSpPr>
-          <p:nvPr>
-            <p:ph type="title"/>
-          </p:nvPr>
-        </p:nvSpPr>
+          <p:cNvPicPr>
+            <a:picLocks noChangeAspect="1"/>
+          </p:cNvPicPr>
+          <p:nvPr/>
+        </p:nvPicPr>
+        <p:blipFill>
+          <a:blip r:embed="rId2"/>
+          <a:stretch>
+            <a:fillRect/>
+          </a:stretch>
+        </p:blipFill>
         <p:spPr>
           <a:xfrm>
-            <a:off x="451862" y="320511"/>
-            <a:ext cx="10364451" cy="1470582"/>
+            <a:off x="0" y="282311"/>
+            <a:ext cx="12096750" cy="6019800"/>
           </a:xfrm>
+          <a:prstGeom prst="rect">
+            <a:avLst/>
+          </a:prstGeom>
         </p:spPr>
-        <p:txBody>
-          <a:bodyPr/>
-          <a:lstStyle/>
-          <a:p>
-            <a:r>
-              <a:rPr lang="en-US" altLang="zh-CN" cap="none" dirty="0"/>
-              <a:t>6</a:t>
-            </a:r>
-            <a:r>
-              <a:rPr lang="zh-CN" altLang="en-US" cap="none" dirty="0"/>
-              <a:t>种切点</a:t>
-            </a:r>
-            <a:endParaRPr lang="zh-CN" altLang="en-US" dirty="0"/>
-          </a:p>
-        </p:txBody>
-      </p:sp>
-      <p:sp>
-        <p:nvSpPr>
-          <p:cNvPr id="3" name="内容占位符 2">
-            <a:extLst>
-              <a:ext uri="{FF2B5EF4-FFF2-40B4-BE49-F238E27FC236}">
-                <a16:creationId xmlns:a16="http://schemas.microsoft.com/office/drawing/2014/main" id="{0AA2175F-75ED-4B2E-A5AF-CEB8A44DC3A9}"/>
-              </a:ext>
-            </a:extLst>
-          </p:cNvPr>
-          <p:cNvSpPr>
-            <a:spLocks noGrp="1"/>
-          </p:cNvSpPr>
-          <p:nvPr>
-            <p:ph sz="quarter" idx="13"/>
-          </p:nvPr>
-        </p:nvSpPr>
-        <p:spPr>
-          <a:xfrm>
-            <a:off x="914087" y="1791093"/>
-            <a:ext cx="10363826" cy="3641889"/>
-          </a:xfrm>
-        </p:spPr>
-        <p:txBody>
-          <a:bodyPr>
-            <a:normAutofit/>
-          </a:bodyPr>
-          <a:lstStyle/>
-          <a:p>
-            <a:pPr marL="0" indent="0">
-              <a:buNone/>
-            </a:pPr>
-            <a:r>
-              <a:rPr lang="zh-CN" altLang="en-US" dirty="0">
-                <a:latin typeface="微软雅黑" panose="020B0503020204020204" pitchFamily="34" charset="-122"/>
-                <a:ea typeface="微软雅黑" panose="020B0503020204020204" pitchFamily="34" charset="-122"/>
-              </a:rPr>
-              <a:t>静态方法切点</a:t>
-            </a:r>
-            <a:r>
-              <a:rPr lang="en-US" altLang="zh-CN" sz="1200" dirty="0">
-                <a:latin typeface="微软雅黑" panose="020B0503020204020204" pitchFamily="34" charset="-122"/>
-                <a:ea typeface="微软雅黑" panose="020B0503020204020204" pitchFamily="34" charset="-122"/>
-              </a:rPr>
-              <a:t>s</a:t>
-            </a:r>
-            <a:r>
-              <a:rPr lang="en-US" altLang="zh-CN" sz="1200" cap="none" dirty="0">
-                <a:latin typeface="微软雅黑" panose="020B0503020204020204" pitchFamily="34" charset="-122"/>
-                <a:ea typeface="微软雅黑" panose="020B0503020204020204" pitchFamily="34" charset="-122"/>
-              </a:rPr>
-              <a:t>taticMethodMatcherPointCut</a:t>
-            </a:r>
-            <a:r>
-              <a:rPr lang="zh-CN" altLang="en-US" sz="1200" cap="none" dirty="0">
-                <a:latin typeface="微软雅黑" panose="020B0503020204020204" pitchFamily="34" charset="-122"/>
-                <a:ea typeface="微软雅黑" panose="020B0503020204020204" pitchFamily="34" charset="-122"/>
-              </a:rPr>
-              <a:t>静态方法切点的抽象基类，</a:t>
-            </a:r>
-            <a:r>
-              <a:rPr lang="en-US" altLang="zh-CN" sz="1200" cap="none" dirty="0">
-                <a:latin typeface="微软雅黑" panose="020B0503020204020204" pitchFamily="34" charset="-122"/>
-                <a:ea typeface="微软雅黑" panose="020B0503020204020204" pitchFamily="34" charset="-122"/>
-              </a:rPr>
-              <a:t>2</a:t>
-            </a:r>
-            <a:r>
-              <a:rPr lang="zh-CN" altLang="en-US" sz="1200" cap="none" dirty="0">
-                <a:latin typeface="微软雅黑" panose="020B0503020204020204" pitchFamily="34" charset="-122"/>
-                <a:ea typeface="微软雅黑" panose="020B0503020204020204" pitchFamily="34" charset="-122"/>
-              </a:rPr>
-              <a:t>个子类</a:t>
-            </a:r>
-            <a:r>
-              <a:rPr lang="en-US" altLang="zh-CN" sz="1200" cap="none" dirty="0">
-                <a:latin typeface="微软雅黑" panose="020B0503020204020204" pitchFamily="34" charset="-122"/>
-                <a:ea typeface="微软雅黑" panose="020B0503020204020204" pitchFamily="34" charset="-122"/>
-              </a:rPr>
-              <a:t>NameMatchMethodPointCut</a:t>
-            </a:r>
-            <a:r>
-              <a:rPr lang="zh-CN" altLang="en-US" sz="1200" cap="none" dirty="0">
-                <a:latin typeface="微软雅黑" panose="020B0503020204020204" pitchFamily="34" charset="-122"/>
-                <a:ea typeface="微软雅黑" panose="020B0503020204020204" pitchFamily="34" charset="-122"/>
-              </a:rPr>
-              <a:t>（简单字符串匹配方法名）和</a:t>
-            </a:r>
-            <a:r>
-              <a:rPr lang="en-US" altLang="zh-CN" sz="1200" cap="none" dirty="0">
-                <a:latin typeface="微软雅黑" panose="020B0503020204020204" pitchFamily="34" charset="-122"/>
-                <a:ea typeface="微软雅黑" panose="020B0503020204020204" pitchFamily="34" charset="-122"/>
-              </a:rPr>
-              <a:t>AbstractRegexpMethodPointCut</a:t>
-            </a:r>
-            <a:r>
-              <a:rPr lang="zh-CN" altLang="en-US" sz="1200" cap="none" dirty="0">
-                <a:latin typeface="微软雅黑" panose="020B0503020204020204" pitchFamily="34" charset="-122"/>
-                <a:ea typeface="微软雅黑" panose="020B0503020204020204" pitchFamily="34" charset="-122"/>
-              </a:rPr>
-              <a:t>（正则表达式匹配方法名）</a:t>
-            </a:r>
-            <a:endParaRPr lang="en-US" altLang="zh-CN" dirty="0">
-              <a:latin typeface="微软雅黑" panose="020B0503020204020204" pitchFamily="34" charset="-122"/>
-              <a:ea typeface="微软雅黑" panose="020B0503020204020204" pitchFamily="34" charset="-122"/>
-            </a:endParaRPr>
-          </a:p>
-          <a:p>
-            <a:pPr marL="0" indent="0">
-              <a:buNone/>
-            </a:pPr>
-            <a:r>
-              <a:rPr lang="zh-CN" altLang="en-US" dirty="0">
-                <a:latin typeface="微软雅黑" panose="020B0503020204020204" pitchFamily="34" charset="-122"/>
-                <a:ea typeface="微软雅黑" panose="020B0503020204020204" pitchFamily="34" charset="-122"/>
-              </a:rPr>
-              <a:t>动态方法切点</a:t>
-            </a:r>
-            <a:r>
-              <a:rPr lang="en-US" altLang="zh-CN" sz="1200" dirty="0">
-                <a:latin typeface="微软雅黑" panose="020B0503020204020204" pitchFamily="34" charset="-122"/>
-                <a:ea typeface="微软雅黑" panose="020B0503020204020204" pitchFamily="34" charset="-122"/>
-              </a:rPr>
-              <a:t>D</a:t>
-            </a:r>
-            <a:r>
-              <a:rPr lang="en-US" altLang="zh-CN" sz="1200" cap="none" dirty="0">
-                <a:latin typeface="微软雅黑" panose="020B0503020204020204" pitchFamily="34" charset="-122"/>
-                <a:ea typeface="微软雅黑" panose="020B0503020204020204" pitchFamily="34" charset="-122"/>
-              </a:rPr>
-              <a:t>ynamicMethodMatcherPointCut</a:t>
-            </a:r>
-            <a:r>
-              <a:rPr lang="zh-CN" altLang="en-US" sz="1200" cap="none" dirty="0">
-                <a:latin typeface="微软雅黑" panose="020B0503020204020204" pitchFamily="34" charset="-122"/>
-                <a:ea typeface="微软雅黑" panose="020B0503020204020204" pitchFamily="34" charset="-122"/>
-              </a:rPr>
-              <a:t>动态方法切点的抽象基类</a:t>
-            </a:r>
-            <a:endParaRPr lang="en-US" altLang="zh-CN" sz="1200" dirty="0">
-              <a:latin typeface="微软雅黑" panose="020B0503020204020204" pitchFamily="34" charset="-122"/>
-              <a:ea typeface="微软雅黑" panose="020B0503020204020204" pitchFamily="34" charset="-122"/>
-            </a:endParaRPr>
-          </a:p>
-          <a:p>
-            <a:pPr marL="0" indent="0">
-              <a:buNone/>
-            </a:pPr>
-            <a:r>
-              <a:rPr lang="zh-CN" altLang="en-US" dirty="0">
-                <a:latin typeface="微软雅黑" panose="020B0503020204020204" pitchFamily="34" charset="-122"/>
-                <a:ea typeface="微软雅黑" panose="020B0503020204020204" pitchFamily="34" charset="-122"/>
-              </a:rPr>
-              <a:t>注解切点</a:t>
-            </a:r>
-            <a:r>
-              <a:rPr lang="zh-CN" altLang="en-US" sz="1200" cap="none" dirty="0">
-                <a:latin typeface="微软雅黑" panose="020B0503020204020204" pitchFamily="34" charset="-122"/>
-                <a:ea typeface="微软雅黑" panose="020B0503020204020204" pitchFamily="34" charset="-122"/>
-              </a:rPr>
-              <a:t>使用</a:t>
-            </a:r>
-            <a:r>
-              <a:rPr lang="en-US" altLang="zh-CN" sz="1200" cap="none" dirty="0">
-                <a:latin typeface="微软雅黑" panose="020B0503020204020204" pitchFamily="34" charset="-122"/>
-                <a:ea typeface="微软雅黑" panose="020B0503020204020204" pitchFamily="34" charset="-122"/>
-              </a:rPr>
-              <a:t>AnnotationMatchingPointCut</a:t>
-            </a:r>
-            <a:r>
-              <a:rPr lang="zh-CN" altLang="en-US" sz="1200" cap="none" dirty="0">
-                <a:latin typeface="微软雅黑" panose="020B0503020204020204" pitchFamily="34" charset="-122"/>
-                <a:ea typeface="微软雅黑" panose="020B0503020204020204" pitchFamily="34" charset="-122"/>
-              </a:rPr>
-              <a:t>注解可以再</a:t>
-            </a:r>
-            <a:r>
-              <a:rPr lang="en-US" altLang="zh-CN" sz="1200" cap="none" dirty="0">
-                <a:latin typeface="微软雅黑" panose="020B0503020204020204" pitchFamily="34" charset="-122"/>
-                <a:ea typeface="微软雅黑" panose="020B0503020204020204" pitchFamily="34" charset="-122"/>
-              </a:rPr>
-              <a:t>bean</a:t>
-            </a:r>
-            <a:r>
-              <a:rPr lang="zh-CN" altLang="en-US" sz="1200" cap="none" dirty="0">
-                <a:latin typeface="微软雅黑" panose="020B0503020204020204" pitchFamily="34" charset="-122"/>
-                <a:ea typeface="微软雅黑" panose="020B0503020204020204" pitchFamily="34" charset="-122"/>
-              </a:rPr>
-              <a:t>种直接定义切点</a:t>
-            </a:r>
-            <a:endParaRPr lang="en-US" altLang="zh-CN" sz="1200" dirty="0">
-              <a:latin typeface="微软雅黑" panose="020B0503020204020204" pitchFamily="34" charset="-122"/>
-              <a:ea typeface="微软雅黑" panose="020B0503020204020204" pitchFamily="34" charset="-122"/>
-            </a:endParaRPr>
-          </a:p>
-          <a:p>
-            <a:pPr marL="0" indent="0">
-              <a:buNone/>
-            </a:pPr>
-            <a:r>
-              <a:rPr lang="zh-CN" altLang="en-US" dirty="0">
-                <a:latin typeface="微软雅黑" panose="020B0503020204020204" pitchFamily="34" charset="-122"/>
-                <a:ea typeface="微软雅黑" panose="020B0503020204020204" pitchFamily="34" charset="-122"/>
-              </a:rPr>
-              <a:t>表达式切点</a:t>
-            </a:r>
-            <a:r>
-              <a:rPr lang="en-US" altLang="zh-CN" sz="1200" cap="none" dirty="0">
-                <a:latin typeface="微软雅黑" panose="020B0503020204020204" pitchFamily="34" charset="-122"/>
-                <a:ea typeface="微软雅黑" panose="020B0503020204020204" pitchFamily="34" charset="-122"/>
-              </a:rPr>
-              <a:t>ExpressionPointCut </a:t>
-            </a:r>
-            <a:r>
-              <a:rPr lang="zh-CN" altLang="en-US" sz="1200" cap="none" dirty="0">
-                <a:latin typeface="微软雅黑" panose="020B0503020204020204" pitchFamily="34" charset="-122"/>
-                <a:ea typeface="微软雅黑" panose="020B0503020204020204" pitchFamily="34" charset="-122"/>
-              </a:rPr>
-              <a:t>为支持</a:t>
-            </a:r>
-            <a:r>
-              <a:rPr lang="en-US" altLang="zh-CN" sz="1200" cap="none" dirty="0">
-                <a:latin typeface="微软雅黑" panose="020B0503020204020204" pitchFamily="34" charset="-122"/>
-                <a:ea typeface="微软雅黑" panose="020B0503020204020204" pitchFamily="34" charset="-122"/>
-              </a:rPr>
-              <a:t>AspetJ</a:t>
-            </a:r>
-            <a:r>
-              <a:rPr lang="zh-CN" altLang="en-US" sz="1200" cap="none" dirty="0">
-                <a:latin typeface="微软雅黑" panose="020B0503020204020204" pitchFamily="34" charset="-122"/>
-                <a:ea typeface="微软雅黑" panose="020B0503020204020204" pitchFamily="34" charset="-122"/>
-              </a:rPr>
-              <a:t>切点表达式语法而定义的接口</a:t>
-            </a:r>
-            <a:endParaRPr lang="en-US" altLang="zh-CN" sz="1200" dirty="0">
-              <a:latin typeface="微软雅黑" panose="020B0503020204020204" pitchFamily="34" charset="-122"/>
-              <a:ea typeface="微软雅黑" panose="020B0503020204020204" pitchFamily="34" charset="-122"/>
-            </a:endParaRPr>
-          </a:p>
-          <a:p>
-            <a:pPr marL="0" indent="0">
-              <a:buNone/>
-            </a:pPr>
-            <a:r>
-              <a:rPr lang="zh-CN" altLang="en-US" dirty="0">
-                <a:latin typeface="微软雅黑" panose="020B0503020204020204" pitchFamily="34" charset="-122"/>
-                <a:ea typeface="微软雅黑" panose="020B0503020204020204" pitchFamily="34" charset="-122"/>
-              </a:rPr>
-              <a:t>流程切点</a:t>
-            </a:r>
-            <a:r>
-              <a:rPr lang="en-US" altLang="zh-CN" sz="1200" cap="none" dirty="0">
-                <a:latin typeface="微软雅黑" panose="020B0503020204020204" pitchFamily="34" charset="-122"/>
-                <a:ea typeface="微软雅黑" panose="020B0503020204020204" pitchFamily="34" charset="-122"/>
-              </a:rPr>
-              <a:t>ControlFlowPointcut</a:t>
-            </a:r>
-            <a:r>
-              <a:rPr lang="zh-CN" altLang="en-US" sz="1200" cap="none" dirty="0">
-                <a:latin typeface="微软雅黑" panose="020B0503020204020204" pitchFamily="34" charset="-122"/>
-                <a:ea typeface="微软雅黑" panose="020B0503020204020204" pitchFamily="34" charset="-122"/>
-              </a:rPr>
-              <a:t> 一种特殊的切点，可以根据程序执行堆栈的信息查看目标方法是否由某一个方法直接或间接发起调用，以此判断是否为匹配的连接点</a:t>
-            </a:r>
-            <a:endParaRPr lang="en-US" altLang="zh-CN" sz="1200" dirty="0">
-              <a:latin typeface="微软雅黑" panose="020B0503020204020204" pitchFamily="34" charset="-122"/>
-              <a:ea typeface="微软雅黑" panose="020B0503020204020204" pitchFamily="34" charset="-122"/>
-            </a:endParaRPr>
-          </a:p>
-          <a:p>
-            <a:pPr marL="0" indent="0">
-              <a:buNone/>
-            </a:pPr>
-            <a:r>
-              <a:rPr lang="zh-CN" altLang="en-US" dirty="0">
-                <a:latin typeface="微软雅黑" panose="020B0503020204020204" pitchFamily="34" charset="-122"/>
-                <a:ea typeface="微软雅黑" panose="020B0503020204020204" pitchFamily="34" charset="-122"/>
-              </a:rPr>
-              <a:t>复合切点</a:t>
-            </a:r>
-            <a:r>
-              <a:rPr lang="en-US" altLang="zh-CN" sz="1200" cap="none" dirty="0">
-                <a:latin typeface="微软雅黑" panose="020B0503020204020204" pitchFamily="34" charset="-122"/>
-                <a:ea typeface="微软雅黑" panose="020B0503020204020204" pitchFamily="34" charset="-122"/>
-              </a:rPr>
-              <a:t>ComposablePointcut</a:t>
-            </a:r>
-            <a:r>
-              <a:rPr lang="zh-CN" altLang="en-US" sz="1200" cap="none" dirty="0">
-                <a:latin typeface="微软雅黑" panose="020B0503020204020204" pitchFamily="34" charset="-122"/>
-                <a:ea typeface="微软雅黑" panose="020B0503020204020204" pitchFamily="34" charset="-122"/>
-              </a:rPr>
-              <a:t>为创建多个切点而提供的方便操作类，它所有的方法都返回</a:t>
-            </a:r>
-            <a:r>
-              <a:rPr lang="en-US" altLang="zh-CN" sz="1200" cap="none" dirty="0">
-                <a:latin typeface="微软雅黑" panose="020B0503020204020204" pitchFamily="34" charset="-122"/>
-                <a:ea typeface="微软雅黑" panose="020B0503020204020204" pitchFamily="34" charset="-122"/>
-              </a:rPr>
-              <a:t>ComposablePointcut</a:t>
-            </a:r>
-            <a:r>
-              <a:rPr lang="zh-CN" altLang="en-US" sz="1200" cap="none" dirty="0">
-                <a:latin typeface="微软雅黑" panose="020B0503020204020204" pitchFamily="34" charset="-122"/>
-                <a:ea typeface="微软雅黑" panose="020B0503020204020204" pitchFamily="34" charset="-122"/>
-              </a:rPr>
-              <a:t>类，可以使用链式编程对切点进行操作，如：</a:t>
-            </a:r>
-            <a:r>
-              <a:rPr lang="en-US" altLang="zh-CN" sz="1200" cap="none" dirty="0">
-                <a:latin typeface="微软雅黑" panose="020B0503020204020204" pitchFamily="34" charset="-122"/>
-                <a:ea typeface="微软雅黑" panose="020B0503020204020204" pitchFamily="34" charset="-122"/>
-              </a:rPr>
-              <a:t>Pointcut pc = new ComposablePointcut().union(classFilter).intersection(methodMatcher).intersection(pointcut);</a:t>
-            </a:r>
-          </a:p>
-        </p:txBody>
-      </p:sp>
+      </p:pic>
     </p:spTree>
     <p:extLst>
       <p:ext uri="{BB962C8B-B14F-4D97-AF65-F5344CB8AC3E}">
-        <p14:creationId xmlns:p14="http://schemas.microsoft.com/office/powerpoint/2010/main" val="2637643540"/>
+        <p14:creationId xmlns:p14="http://schemas.microsoft.com/office/powerpoint/2010/main" val="2545497997"/>
       </p:ext>
     </p:extLst>
   </p:cSld>
@@ -7059,6 +6735,391 @@
           <p:cNvPr id="2" name="标题 1">
             <a:extLst>
               <a:ext uri="{FF2B5EF4-FFF2-40B4-BE49-F238E27FC236}">
+                <a16:creationId xmlns:a16="http://schemas.microsoft.com/office/drawing/2014/main" id="{5337784D-058D-47D6-8C28-335F0425C626}"/>
+              </a:ext>
+            </a:extLst>
+          </p:cNvPr>
+          <p:cNvSpPr>
+            <a:spLocks noGrp="1"/>
+          </p:cNvSpPr>
+          <p:nvPr>
+            <p:ph type="title"/>
+          </p:nvPr>
+        </p:nvSpPr>
+        <p:spPr>
+          <a:xfrm>
+            <a:off x="451862" y="320511"/>
+            <a:ext cx="10364451" cy="1470582"/>
+          </a:xfrm>
+        </p:spPr>
+        <p:txBody>
+          <a:bodyPr/>
+          <a:lstStyle/>
+          <a:p>
+            <a:r>
+              <a:rPr lang="en-US" altLang="zh-CN" cap="none" dirty="0"/>
+              <a:t>6</a:t>
+            </a:r>
+            <a:r>
+              <a:rPr lang="zh-CN" altLang="en-US" cap="none" dirty="0"/>
+              <a:t>种切点</a:t>
+            </a:r>
+            <a:endParaRPr lang="zh-CN" altLang="en-US" dirty="0"/>
+          </a:p>
+        </p:txBody>
+      </p:sp>
+      <p:sp>
+        <p:nvSpPr>
+          <p:cNvPr id="3" name="内容占位符 2">
+            <a:extLst>
+              <a:ext uri="{FF2B5EF4-FFF2-40B4-BE49-F238E27FC236}">
+                <a16:creationId xmlns:a16="http://schemas.microsoft.com/office/drawing/2014/main" id="{0AA2175F-75ED-4B2E-A5AF-CEB8A44DC3A9}"/>
+              </a:ext>
+            </a:extLst>
+          </p:cNvPr>
+          <p:cNvSpPr>
+            <a:spLocks noGrp="1"/>
+          </p:cNvSpPr>
+          <p:nvPr>
+            <p:ph sz="quarter" idx="13"/>
+          </p:nvPr>
+        </p:nvSpPr>
+        <p:spPr>
+          <a:xfrm>
+            <a:off x="914087" y="1791093"/>
+            <a:ext cx="10363826" cy="3641889"/>
+          </a:xfrm>
+        </p:spPr>
+        <p:txBody>
+          <a:bodyPr>
+            <a:normAutofit/>
+          </a:bodyPr>
+          <a:lstStyle/>
+          <a:p>
+            <a:pPr marL="0" indent="0">
+              <a:buNone/>
+            </a:pPr>
+            <a:r>
+              <a:rPr lang="zh-CN" altLang="en-US" dirty="0">
+                <a:latin typeface="微软雅黑" panose="020B0503020204020204" pitchFamily="34" charset="-122"/>
+                <a:ea typeface="微软雅黑" panose="020B0503020204020204" pitchFamily="34" charset="-122"/>
+              </a:rPr>
+              <a:t>静态方法切点</a:t>
+            </a:r>
+            <a:r>
+              <a:rPr lang="en-US" altLang="zh-CN" sz="1200" dirty="0">
+                <a:latin typeface="微软雅黑" panose="020B0503020204020204" pitchFamily="34" charset="-122"/>
+                <a:ea typeface="微软雅黑" panose="020B0503020204020204" pitchFamily="34" charset="-122"/>
+              </a:rPr>
+              <a:t>s</a:t>
+            </a:r>
+            <a:r>
+              <a:rPr lang="en-US" altLang="zh-CN" sz="1200" cap="none" dirty="0">
+                <a:latin typeface="微软雅黑" panose="020B0503020204020204" pitchFamily="34" charset="-122"/>
+                <a:ea typeface="微软雅黑" panose="020B0503020204020204" pitchFamily="34" charset="-122"/>
+              </a:rPr>
+              <a:t>taticMethodMatcherPointCut</a:t>
+            </a:r>
+            <a:r>
+              <a:rPr lang="zh-CN" altLang="en-US" sz="1200" cap="none" dirty="0">
+                <a:latin typeface="微软雅黑" panose="020B0503020204020204" pitchFamily="34" charset="-122"/>
+                <a:ea typeface="微软雅黑" panose="020B0503020204020204" pitchFamily="34" charset="-122"/>
+              </a:rPr>
+              <a:t>静态方法切点的抽象基类，</a:t>
+            </a:r>
+            <a:r>
+              <a:rPr lang="en-US" altLang="zh-CN" sz="1200" cap="none" dirty="0">
+                <a:latin typeface="微软雅黑" panose="020B0503020204020204" pitchFamily="34" charset="-122"/>
+                <a:ea typeface="微软雅黑" panose="020B0503020204020204" pitchFamily="34" charset="-122"/>
+              </a:rPr>
+              <a:t>2</a:t>
+            </a:r>
+            <a:r>
+              <a:rPr lang="zh-CN" altLang="en-US" sz="1200" cap="none" dirty="0">
+                <a:latin typeface="微软雅黑" panose="020B0503020204020204" pitchFamily="34" charset="-122"/>
+                <a:ea typeface="微软雅黑" panose="020B0503020204020204" pitchFamily="34" charset="-122"/>
+              </a:rPr>
+              <a:t>个子类</a:t>
+            </a:r>
+            <a:r>
+              <a:rPr lang="en-US" altLang="zh-CN" sz="1200" cap="none" dirty="0">
+                <a:latin typeface="微软雅黑" panose="020B0503020204020204" pitchFamily="34" charset="-122"/>
+                <a:ea typeface="微软雅黑" panose="020B0503020204020204" pitchFamily="34" charset="-122"/>
+              </a:rPr>
+              <a:t>NameMatchMethodPointCut</a:t>
+            </a:r>
+            <a:r>
+              <a:rPr lang="zh-CN" altLang="en-US" sz="1200" cap="none" dirty="0">
+                <a:latin typeface="微软雅黑" panose="020B0503020204020204" pitchFamily="34" charset="-122"/>
+                <a:ea typeface="微软雅黑" panose="020B0503020204020204" pitchFamily="34" charset="-122"/>
+              </a:rPr>
+              <a:t>（简单字符串匹配方法名）和</a:t>
+            </a:r>
+            <a:r>
+              <a:rPr lang="en-US" altLang="zh-CN" sz="1200" cap="none" dirty="0">
+                <a:latin typeface="微软雅黑" panose="020B0503020204020204" pitchFamily="34" charset="-122"/>
+                <a:ea typeface="微软雅黑" panose="020B0503020204020204" pitchFamily="34" charset="-122"/>
+              </a:rPr>
+              <a:t>AbstractRegexpMethodPointCut</a:t>
+            </a:r>
+            <a:r>
+              <a:rPr lang="zh-CN" altLang="en-US" sz="1200" cap="none" dirty="0">
+                <a:latin typeface="微软雅黑" panose="020B0503020204020204" pitchFamily="34" charset="-122"/>
+                <a:ea typeface="微软雅黑" panose="020B0503020204020204" pitchFamily="34" charset="-122"/>
+              </a:rPr>
+              <a:t>（正则表达式匹配方法名）</a:t>
+            </a:r>
+            <a:endParaRPr lang="en-US" altLang="zh-CN" dirty="0">
+              <a:latin typeface="微软雅黑" panose="020B0503020204020204" pitchFamily="34" charset="-122"/>
+              <a:ea typeface="微软雅黑" panose="020B0503020204020204" pitchFamily="34" charset="-122"/>
+            </a:endParaRPr>
+          </a:p>
+          <a:p>
+            <a:pPr marL="0" indent="0">
+              <a:buNone/>
+            </a:pPr>
+            <a:r>
+              <a:rPr lang="zh-CN" altLang="en-US" dirty="0">
+                <a:latin typeface="微软雅黑" panose="020B0503020204020204" pitchFamily="34" charset="-122"/>
+                <a:ea typeface="微软雅黑" panose="020B0503020204020204" pitchFamily="34" charset="-122"/>
+              </a:rPr>
+              <a:t>动态方法切点</a:t>
+            </a:r>
+            <a:r>
+              <a:rPr lang="en-US" altLang="zh-CN" sz="1200" dirty="0">
+                <a:latin typeface="微软雅黑" panose="020B0503020204020204" pitchFamily="34" charset="-122"/>
+                <a:ea typeface="微软雅黑" panose="020B0503020204020204" pitchFamily="34" charset="-122"/>
+              </a:rPr>
+              <a:t>D</a:t>
+            </a:r>
+            <a:r>
+              <a:rPr lang="en-US" altLang="zh-CN" sz="1200" cap="none" dirty="0">
+                <a:latin typeface="微软雅黑" panose="020B0503020204020204" pitchFamily="34" charset="-122"/>
+                <a:ea typeface="微软雅黑" panose="020B0503020204020204" pitchFamily="34" charset="-122"/>
+              </a:rPr>
+              <a:t>ynamicMethodMatcherPointCut</a:t>
+            </a:r>
+            <a:r>
+              <a:rPr lang="zh-CN" altLang="en-US" sz="1200" cap="none" dirty="0">
+                <a:latin typeface="微软雅黑" panose="020B0503020204020204" pitchFamily="34" charset="-122"/>
+                <a:ea typeface="微软雅黑" panose="020B0503020204020204" pitchFamily="34" charset="-122"/>
+              </a:rPr>
+              <a:t>动态方法切点的抽象基类</a:t>
+            </a:r>
+            <a:endParaRPr lang="en-US" altLang="zh-CN" sz="1200" dirty="0">
+              <a:latin typeface="微软雅黑" panose="020B0503020204020204" pitchFamily="34" charset="-122"/>
+              <a:ea typeface="微软雅黑" panose="020B0503020204020204" pitchFamily="34" charset="-122"/>
+            </a:endParaRPr>
+          </a:p>
+          <a:p>
+            <a:pPr marL="0" indent="0">
+              <a:buNone/>
+            </a:pPr>
+            <a:r>
+              <a:rPr lang="zh-CN" altLang="en-US" dirty="0">
+                <a:latin typeface="微软雅黑" panose="020B0503020204020204" pitchFamily="34" charset="-122"/>
+                <a:ea typeface="微软雅黑" panose="020B0503020204020204" pitchFamily="34" charset="-122"/>
+              </a:rPr>
+              <a:t>注解切点</a:t>
+            </a:r>
+            <a:r>
+              <a:rPr lang="zh-CN" altLang="en-US" sz="1200" cap="none" dirty="0">
+                <a:latin typeface="微软雅黑" panose="020B0503020204020204" pitchFamily="34" charset="-122"/>
+                <a:ea typeface="微软雅黑" panose="020B0503020204020204" pitchFamily="34" charset="-122"/>
+              </a:rPr>
+              <a:t>使用</a:t>
+            </a:r>
+            <a:r>
+              <a:rPr lang="en-US" altLang="zh-CN" sz="1200" cap="none" dirty="0">
+                <a:latin typeface="微软雅黑" panose="020B0503020204020204" pitchFamily="34" charset="-122"/>
+                <a:ea typeface="微软雅黑" panose="020B0503020204020204" pitchFamily="34" charset="-122"/>
+              </a:rPr>
+              <a:t>AnnotationMatchingPointCut</a:t>
+            </a:r>
+            <a:r>
+              <a:rPr lang="zh-CN" altLang="en-US" sz="1200" cap="none" dirty="0">
+                <a:latin typeface="微软雅黑" panose="020B0503020204020204" pitchFamily="34" charset="-122"/>
+                <a:ea typeface="微软雅黑" panose="020B0503020204020204" pitchFamily="34" charset="-122"/>
+              </a:rPr>
+              <a:t>注解可以再</a:t>
+            </a:r>
+            <a:r>
+              <a:rPr lang="en-US" altLang="zh-CN" sz="1200" cap="none" dirty="0">
+                <a:latin typeface="微软雅黑" panose="020B0503020204020204" pitchFamily="34" charset="-122"/>
+                <a:ea typeface="微软雅黑" panose="020B0503020204020204" pitchFamily="34" charset="-122"/>
+              </a:rPr>
+              <a:t>bean</a:t>
+            </a:r>
+            <a:r>
+              <a:rPr lang="zh-CN" altLang="en-US" sz="1200" cap="none" dirty="0">
+                <a:latin typeface="微软雅黑" panose="020B0503020204020204" pitchFamily="34" charset="-122"/>
+                <a:ea typeface="微软雅黑" panose="020B0503020204020204" pitchFamily="34" charset="-122"/>
+              </a:rPr>
+              <a:t>种直接定义切点</a:t>
+            </a:r>
+            <a:endParaRPr lang="en-US" altLang="zh-CN" sz="1200" dirty="0">
+              <a:latin typeface="微软雅黑" panose="020B0503020204020204" pitchFamily="34" charset="-122"/>
+              <a:ea typeface="微软雅黑" panose="020B0503020204020204" pitchFamily="34" charset="-122"/>
+            </a:endParaRPr>
+          </a:p>
+          <a:p>
+            <a:pPr marL="0" indent="0">
+              <a:buNone/>
+            </a:pPr>
+            <a:r>
+              <a:rPr lang="zh-CN" altLang="en-US" dirty="0">
+                <a:latin typeface="微软雅黑" panose="020B0503020204020204" pitchFamily="34" charset="-122"/>
+                <a:ea typeface="微软雅黑" panose="020B0503020204020204" pitchFamily="34" charset="-122"/>
+              </a:rPr>
+              <a:t>表达式切点</a:t>
+            </a:r>
+            <a:r>
+              <a:rPr lang="en-US" altLang="zh-CN" sz="1200" cap="none" dirty="0">
+                <a:latin typeface="微软雅黑" panose="020B0503020204020204" pitchFamily="34" charset="-122"/>
+                <a:ea typeface="微软雅黑" panose="020B0503020204020204" pitchFamily="34" charset="-122"/>
+              </a:rPr>
+              <a:t>ExpressionPointCut </a:t>
+            </a:r>
+            <a:r>
+              <a:rPr lang="zh-CN" altLang="en-US" sz="1200" cap="none" dirty="0">
+                <a:latin typeface="微软雅黑" panose="020B0503020204020204" pitchFamily="34" charset="-122"/>
+                <a:ea typeface="微软雅黑" panose="020B0503020204020204" pitchFamily="34" charset="-122"/>
+              </a:rPr>
+              <a:t>为支持</a:t>
+            </a:r>
+            <a:r>
+              <a:rPr lang="en-US" altLang="zh-CN" sz="1200" cap="none" dirty="0">
+                <a:latin typeface="微软雅黑" panose="020B0503020204020204" pitchFamily="34" charset="-122"/>
+                <a:ea typeface="微软雅黑" panose="020B0503020204020204" pitchFamily="34" charset="-122"/>
+              </a:rPr>
+              <a:t>AspetJ</a:t>
+            </a:r>
+            <a:r>
+              <a:rPr lang="zh-CN" altLang="en-US" sz="1200" cap="none" dirty="0">
+                <a:latin typeface="微软雅黑" panose="020B0503020204020204" pitchFamily="34" charset="-122"/>
+                <a:ea typeface="微软雅黑" panose="020B0503020204020204" pitchFamily="34" charset="-122"/>
+              </a:rPr>
+              <a:t>切点表达式语法而定义的接口</a:t>
+            </a:r>
+            <a:endParaRPr lang="en-US" altLang="zh-CN" sz="1200" dirty="0">
+              <a:latin typeface="微软雅黑" panose="020B0503020204020204" pitchFamily="34" charset="-122"/>
+              <a:ea typeface="微软雅黑" panose="020B0503020204020204" pitchFamily="34" charset="-122"/>
+            </a:endParaRPr>
+          </a:p>
+          <a:p>
+            <a:pPr marL="0" indent="0">
+              <a:buNone/>
+            </a:pPr>
+            <a:r>
+              <a:rPr lang="zh-CN" altLang="en-US" dirty="0">
+                <a:latin typeface="微软雅黑" panose="020B0503020204020204" pitchFamily="34" charset="-122"/>
+                <a:ea typeface="微软雅黑" panose="020B0503020204020204" pitchFamily="34" charset="-122"/>
+              </a:rPr>
+              <a:t>流程切点</a:t>
+            </a:r>
+            <a:r>
+              <a:rPr lang="en-US" altLang="zh-CN" sz="1200" cap="none" dirty="0">
+                <a:latin typeface="微软雅黑" panose="020B0503020204020204" pitchFamily="34" charset="-122"/>
+                <a:ea typeface="微软雅黑" panose="020B0503020204020204" pitchFamily="34" charset="-122"/>
+              </a:rPr>
+              <a:t>ControlFlowPointcut</a:t>
+            </a:r>
+            <a:r>
+              <a:rPr lang="zh-CN" altLang="en-US" sz="1200" cap="none" dirty="0">
+                <a:latin typeface="微软雅黑" panose="020B0503020204020204" pitchFamily="34" charset="-122"/>
+                <a:ea typeface="微软雅黑" panose="020B0503020204020204" pitchFamily="34" charset="-122"/>
+              </a:rPr>
+              <a:t> 一种特殊的切点，可以根据程序执行堆栈的信息查看目标方法是否由某一个方法直接或间接发起调用，以此判断是否为匹配的连接点</a:t>
+            </a:r>
+            <a:endParaRPr lang="en-US" altLang="zh-CN" sz="1200" dirty="0">
+              <a:latin typeface="微软雅黑" panose="020B0503020204020204" pitchFamily="34" charset="-122"/>
+              <a:ea typeface="微软雅黑" panose="020B0503020204020204" pitchFamily="34" charset="-122"/>
+            </a:endParaRPr>
+          </a:p>
+          <a:p>
+            <a:pPr marL="0" indent="0">
+              <a:buNone/>
+            </a:pPr>
+            <a:r>
+              <a:rPr lang="zh-CN" altLang="en-US" dirty="0">
+                <a:latin typeface="微软雅黑" panose="020B0503020204020204" pitchFamily="34" charset="-122"/>
+                <a:ea typeface="微软雅黑" panose="020B0503020204020204" pitchFamily="34" charset="-122"/>
+              </a:rPr>
+              <a:t>复合切点</a:t>
+            </a:r>
+            <a:r>
+              <a:rPr lang="en-US" altLang="zh-CN" sz="1200" cap="none" dirty="0">
+                <a:latin typeface="微软雅黑" panose="020B0503020204020204" pitchFamily="34" charset="-122"/>
+                <a:ea typeface="微软雅黑" panose="020B0503020204020204" pitchFamily="34" charset="-122"/>
+              </a:rPr>
+              <a:t>ComposablePointcut</a:t>
+            </a:r>
+            <a:r>
+              <a:rPr lang="zh-CN" altLang="en-US" sz="1200" cap="none" dirty="0">
+                <a:latin typeface="微软雅黑" panose="020B0503020204020204" pitchFamily="34" charset="-122"/>
+                <a:ea typeface="微软雅黑" panose="020B0503020204020204" pitchFamily="34" charset="-122"/>
+              </a:rPr>
+              <a:t>为创建多个切点而提供的方便操作类，它所有的方法都返回</a:t>
+            </a:r>
+            <a:r>
+              <a:rPr lang="en-US" altLang="zh-CN" sz="1200" cap="none" dirty="0">
+                <a:latin typeface="微软雅黑" panose="020B0503020204020204" pitchFamily="34" charset="-122"/>
+                <a:ea typeface="微软雅黑" panose="020B0503020204020204" pitchFamily="34" charset="-122"/>
+              </a:rPr>
+              <a:t>ComposablePointcut</a:t>
+            </a:r>
+            <a:r>
+              <a:rPr lang="zh-CN" altLang="en-US" sz="1200" cap="none" dirty="0">
+                <a:latin typeface="微软雅黑" panose="020B0503020204020204" pitchFamily="34" charset="-122"/>
+                <a:ea typeface="微软雅黑" panose="020B0503020204020204" pitchFamily="34" charset="-122"/>
+              </a:rPr>
+              <a:t>类，可以使用链式编程对切点进行操作，如：</a:t>
+            </a:r>
+            <a:r>
+              <a:rPr lang="en-US" altLang="zh-CN" sz="1200" cap="none" dirty="0">
+                <a:latin typeface="微软雅黑" panose="020B0503020204020204" pitchFamily="34" charset="-122"/>
+                <a:ea typeface="微软雅黑" panose="020B0503020204020204" pitchFamily="34" charset="-122"/>
+              </a:rPr>
+              <a:t>Pointcut pc = new ComposablePointcut().union(classFilter).intersection(methodMatcher).intersection(pointcut);</a:t>
+            </a:r>
+          </a:p>
+        </p:txBody>
+      </p:sp>
+    </p:spTree>
+    <p:extLst>
+      <p:ext uri="{BB962C8B-B14F-4D97-AF65-F5344CB8AC3E}">
+        <p14:creationId xmlns:p14="http://schemas.microsoft.com/office/powerpoint/2010/main" val="2637643540"/>
+      </p:ext>
+    </p:extLst>
+  </p:cSld>
+  <p:clrMapOvr>
+    <a:masterClrMapping/>
+  </p:clrMapOvr>
+</p:sld>
+</file>
+
+<file path=ppt/slides/slide12.xml><?xml version="1.0" encoding="utf-8"?>
+<p:sld xmlns:a="http://schemas.openxmlformats.org/drawingml/2006/main" xmlns:r="http://schemas.openxmlformats.org/officeDocument/2006/relationships" xmlns:p="http://schemas.openxmlformats.org/presentationml/2006/main">
+  <p:cSld>
+    <p:spTree>
+      <p:nvGrpSpPr>
+        <p:cNvPr id="1" name=""/>
+        <p:cNvGrpSpPr/>
+        <p:nvPr/>
+      </p:nvGrpSpPr>
+      <p:grpSpPr>
+        <a:xfrm>
+          <a:off x="0" y="0"/>
+          <a:ext cx="0" cy="0"/>
+          <a:chOff x="0" y="0"/>
+          <a:chExt cx="0" cy="0"/>
+        </a:xfrm>
+      </p:grpSpPr>
+      <p:sp>
+        <p:nvSpPr>
+          <p:cNvPr id="2" name="标题 1">
+            <a:extLst>
+              <a:ext uri="{FF2B5EF4-FFF2-40B4-BE49-F238E27FC236}">
                 <a16:creationId xmlns:a16="http://schemas.microsoft.com/office/drawing/2014/main" id="{652529E0-0958-4982-9F19-6C68D7CBFBFE}"/>
               </a:ext>
             </a:extLst>
@@ -7559,7 +7620,7 @@
 </p:sld>
 </file>
 
-<file path=ppt/slides/slide12.xml><?xml version="1.0" encoding="utf-8"?>
+<file path=ppt/slides/slide13.xml><?xml version="1.0" encoding="utf-8"?>
 <p:sld xmlns:a="http://schemas.openxmlformats.org/drawingml/2006/main" xmlns:r="http://schemas.openxmlformats.org/officeDocument/2006/relationships" xmlns:p="http://schemas.openxmlformats.org/presentationml/2006/main">
   <p:cSld>
     <p:spTree>
@@ -7669,7 +7730,7 @@
 </p:sld>
 </file>
 
-<file path=ppt/slides/slide13.xml><?xml version="1.0" encoding="utf-8"?>
+<file path=ppt/slides/slide14.xml><?xml version="1.0" encoding="utf-8"?>
 <p:sld xmlns:a="http://schemas.openxmlformats.org/drawingml/2006/main" xmlns:r="http://schemas.openxmlformats.org/officeDocument/2006/relationships" xmlns:p="http://schemas.openxmlformats.org/presentationml/2006/main">
   <p:cSld>
     <p:spTree>
@@ -8429,7 +8490,7 @@
 </p:sld>
 </file>
 
-<file path=ppt/slides/slide14.xml><?xml version="1.0" encoding="utf-8"?>
+<file path=ppt/slides/slide15.xml><?xml version="1.0" encoding="utf-8"?>
 <p:sld xmlns:a="http://schemas.openxmlformats.org/drawingml/2006/main" xmlns:r="http://schemas.openxmlformats.org/officeDocument/2006/relationships" xmlns:p="http://schemas.openxmlformats.org/presentationml/2006/main">
   <p:cSld>
     <p:spTree>
@@ -10916,6 +10977,66 @@
           <a:chExt cx="0" cy="0"/>
         </a:xfrm>
       </p:grpSpPr>
+      <p:pic>
+        <p:nvPicPr>
+          <p:cNvPr id="4" name="图片 3">
+            <a:extLst>
+              <a:ext uri="{FF2B5EF4-FFF2-40B4-BE49-F238E27FC236}">
+                <a16:creationId xmlns:a16="http://schemas.microsoft.com/office/drawing/2014/main" id="{6F6131B9-E8B9-49CE-B035-773E6172CD73}"/>
+              </a:ext>
+            </a:extLst>
+          </p:cNvPr>
+          <p:cNvPicPr>
+            <a:picLocks noChangeAspect="1"/>
+          </p:cNvPicPr>
+          <p:nvPr/>
+        </p:nvPicPr>
+        <p:blipFill>
+          <a:blip r:embed="rId2"/>
+          <a:stretch>
+            <a:fillRect/>
+          </a:stretch>
+        </p:blipFill>
+        <p:spPr>
+          <a:xfrm>
+            <a:off x="0" y="1637072"/>
+            <a:ext cx="12192000" cy="3583855"/>
+          </a:xfrm>
+          <a:prstGeom prst="rect">
+            <a:avLst/>
+          </a:prstGeom>
+        </p:spPr>
+      </p:pic>
+    </p:spTree>
+    <p:extLst>
+      <p:ext uri="{BB962C8B-B14F-4D97-AF65-F5344CB8AC3E}">
+        <p14:creationId xmlns:p14="http://schemas.microsoft.com/office/powerpoint/2010/main" val="3344044200"/>
+      </p:ext>
+    </p:extLst>
+  </p:cSld>
+  <p:clrMapOvr>
+    <a:masterClrMapping/>
+  </p:clrMapOvr>
+</p:sld>
+</file>
+
+<file path=ppt/slides/slide6.xml><?xml version="1.0" encoding="utf-8"?>
+<p:sld xmlns:a="http://schemas.openxmlformats.org/drawingml/2006/main" xmlns:r="http://schemas.openxmlformats.org/officeDocument/2006/relationships" xmlns:p="http://schemas.openxmlformats.org/presentationml/2006/main">
+  <p:cSld>
+    <p:spTree>
+      <p:nvGrpSpPr>
+        <p:cNvPr id="1" name=""/>
+        <p:cNvGrpSpPr/>
+        <p:nvPr/>
+      </p:nvGrpSpPr>
+      <p:grpSpPr>
+        <a:xfrm>
+          <a:off x="0" y="0"/>
+          <a:ext cx="0" cy="0"/>
+          <a:chOff x="0" y="0"/>
+          <a:chExt cx="0" cy="0"/>
+        </a:xfrm>
+      </p:grpSpPr>
       <p:sp>
         <p:nvSpPr>
           <p:cNvPr id="4" name="标题 3">
@@ -11298,7 +11419,7 @@
 </p:sld>
 </file>
 
-<file path=ppt/slides/slide6.xml><?xml version="1.0" encoding="utf-8"?>
+<file path=ppt/slides/slide7.xml><?xml version="1.0" encoding="utf-8"?>
 <p:sld xmlns:a="http://schemas.openxmlformats.org/drawingml/2006/main" xmlns:r="http://schemas.openxmlformats.org/officeDocument/2006/relationships" xmlns:p="http://schemas.openxmlformats.org/presentationml/2006/main">
   <p:cSld>
     <p:spTree>
@@ -12787,7 +12908,7 @@
 </p:sld>
 </file>
 
-<file path=ppt/slides/slide7.xml><?xml version="1.0" encoding="utf-8"?>
+<file path=ppt/slides/slide8.xml><?xml version="1.0" encoding="utf-8"?>
 <p:sld xmlns:a="http://schemas.openxmlformats.org/drawingml/2006/main" xmlns:r="http://schemas.openxmlformats.org/officeDocument/2006/relationships" xmlns:p="http://schemas.openxmlformats.org/presentationml/2006/main">
   <p:cSld>
     <p:spTree>
@@ -12941,100 +13062,6 @@
 </p:sld>
 </file>
 
-<file path=ppt/slides/slide8.xml><?xml version="1.0" encoding="utf-8"?>
-<p:sld xmlns:a="http://schemas.openxmlformats.org/drawingml/2006/main" xmlns:r="http://schemas.openxmlformats.org/officeDocument/2006/relationships" xmlns:p="http://schemas.openxmlformats.org/presentationml/2006/main">
-  <p:cSld>
-    <p:spTree>
-      <p:nvGrpSpPr>
-        <p:cNvPr id="1" name=""/>
-        <p:cNvGrpSpPr/>
-        <p:nvPr/>
-      </p:nvGrpSpPr>
-      <p:grpSpPr>
-        <a:xfrm>
-          <a:off x="0" y="0"/>
-          <a:ext cx="0" cy="0"/>
-          <a:chOff x="0" y="0"/>
-          <a:chExt cx="0" cy="0"/>
-        </a:xfrm>
-      </p:grpSpPr>
-      <p:sp>
-        <p:nvSpPr>
-          <p:cNvPr id="4" name="标题 3">
-            <a:extLst>
-              <a:ext uri="{FF2B5EF4-FFF2-40B4-BE49-F238E27FC236}">
-                <a16:creationId xmlns:a16="http://schemas.microsoft.com/office/drawing/2014/main" id="{BC49CEE7-28B2-4DC3-A80B-7E58DB576427}"/>
-              </a:ext>
-            </a:extLst>
-          </p:cNvPr>
-          <p:cNvSpPr>
-            <a:spLocks noGrp="1"/>
-          </p:cNvSpPr>
-          <p:nvPr>
-            <p:ph type="title"/>
-          </p:nvPr>
-        </p:nvSpPr>
-        <p:spPr/>
-        <p:txBody>
-          <a:bodyPr/>
-          <a:lstStyle/>
-          <a:p>
-            <a:r>
-              <a:rPr lang="en-US" altLang="zh-CN" cap="none" dirty="0" err="1"/>
-              <a:t>org.springframework.aop</a:t>
-            </a:r>
-            <a:r>
-              <a:rPr lang="zh-CN" altLang="en-US" cap="none" dirty="0"/>
-              <a:t>包详解</a:t>
-            </a:r>
-            <a:endParaRPr lang="zh-CN" altLang="en-US" dirty="0"/>
-          </a:p>
-        </p:txBody>
-      </p:sp>
-      <p:sp>
-        <p:nvSpPr>
-          <p:cNvPr id="5" name="文本占位符 4">
-            <a:extLst>
-              <a:ext uri="{FF2B5EF4-FFF2-40B4-BE49-F238E27FC236}">
-                <a16:creationId xmlns:a16="http://schemas.microsoft.com/office/drawing/2014/main" id="{788A5BCD-08B2-4EC9-AD96-10244CF49E1F}"/>
-              </a:ext>
-            </a:extLst>
-          </p:cNvPr>
-          <p:cNvSpPr>
-            <a:spLocks noGrp="1"/>
-          </p:cNvSpPr>
-          <p:nvPr>
-            <p:ph type="body" idx="1"/>
-          </p:nvPr>
-        </p:nvSpPr>
-        <p:spPr/>
-        <p:txBody>
-          <a:bodyPr/>
-          <a:lstStyle/>
-          <a:p>
-            <a:r>
-              <a:rPr lang="zh-CN" altLang="en-US" dirty="0">
-                <a:latin typeface="微软雅黑" panose="020B0503020204020204" pitchFamily="34" charset="-122"/>
-                <a:ea typeface="微软雅黑" panose="020B0503020204020204" pitchFamily="34" charset="-122"/>
-              </a:rPr>
-              <a:t>切点、切面、创建代理等</a:t>
-            </a:r>
-          </a:p>
-        </p:txBody>
-      </p:sp>
-    </p:spTree>
-    <p:extLst>
-      <p:ext uri="{BB962C8B-B14F-4D97-AF65-F5344CB8AC3E}">
-        <p14:creationId xmlns:p14="http://schemas.microsoft.com/office/powerpoint/2010/main" val="3954652233"/>
-      </p:ext>
-    </p:extLst>
-  </p:cSld>
-  <p:clrMapOvr>
-    <a:masterClrMapping/>
-  </p:clrMapOvr>
-</p:sld>
-</file>
-
 <file path=ppt/slides/slide9.xml><?xml version="1.0" encoding="utf-8"?>
 <p:sld xmlns:a="http://schemas.openxmlformats.org/drawingml/2006/main" xmlns:r="http://schemas.openxmlformats.org/officeDocument/2006/relationships" xmlns:p="http://schemas.openxmlformats.org/presentationml/2006/main">
   <p:cSld>
@@ -13052,40 +13079,74 @@
           <a:chExt cx="0" cy="0"/>
         </a:xfrm>
       </p:grpSpPr>
-      <p:pic>
-        <p:nvPicPr>
-          <p:cNvPr id="4" name="图片 3">
+      <p:sp>
+        <p:nvSpPr>
+          <p:cNvPr id="4" name="标题 3">
             <a:extLst>
               <a:ext uri="{FF2B5EF4-FFF2-40B4-BE49-F238E27FC236}">
-                <a16:creationId xmlns:a16="http://schemas.microsoft.com/office/drawing/2014/main" id="{39BACF04-1406-4473-8C12-1BAE798119C1}"/>
+                <a16:creationId xmlns:a16="http://schemas.microsoft.com/office/drawing/2014/main" id="{BC49CEE7-28B2-4DC3-A80B-7E58DB576427}"/>
               </a:ext>
             </a:extLst>
           </p:cNvPr>
-          <p:cNvPicPr>
-            <a:picLocks noChangeAspect="1"/>
-          </p:cNvPicPr>
-          <p:nvPr/>
-        </p:nvPicPr>
-        <p:blipFill>
-          <a:blip r:embed="rId2"/>
-          <a:stretch>
-            <a:fillRect/>
-          </a:stretch>
-        </p:blipFill>
-        <p:spPr>
-          <a:xfrm>
-            <a:off x="0" y="282311"/>
-            <a:ext cx="12096750" cy="6019800"/>
-          </a:xfrm>
-          <a:prstGeom prst="rect">
-            <a:avLst/>
-          </a:prstGeom>
-        </p:spPr>
-      </p:pic>
+          <p:cNvSpPr>
+            <a:spLocks noGrp="1"/>
+          </p:cNvSpPr>
+          <p:nvPr>
+            <p:ph type="title"/>
+          </p:nvPr>
+        </p:nvSpPr>
+        <p:spPr/>
+        <p:txBody>
+          <a:bodyPr/>
+          <a:lstStyle/>
+          <a:p>
+            <a:r>
+              <a:rPr lang="en-US" altLang="zh-CN" cap="none" dirty="0" err="1"/>
+              <a:t>org.springframework.aop</a:t>
+            </a:r>
+            <a:r>
+              <a:rPr lang="zh-CN" altLang="en-US" cap="none" dirty="0"/>
+              <a:t>包详解</a:t>
+            </a:r>
+            <a:endParaRPr lang="zh-CN" altLang="en-US" dirty="0"/>
+          </a:p>
+        </p:txBody>
+      </p:sp>
+      <p:sp>
+        <p:nvSpPr>
+          <p:cNvPr id="5" name="文本占位符 4">
+            <a:extLst>
+              <a:ext uri="{FF2B5EF4-FFF2-40B4-BE49-F238E27FC236}">
+                <a16:creationId xmlns:a16="http://schemas.microsoft.com/office/drawing/2014/main" id="{788A5BCD-08B2-4EC9-AD96-10244CF49E1F}"/>
+              </a:ext>
+            </a:extLst>
+          </p:cNvPr>
+          <p:cNvSpPr>
+            <a:spLocks noGrp="1"/>
+          </p:cNvSpPr>
+          <p:nvPr>
+            <p:ph type="body" idx="1"/>
+          </p:nvPr>
+        </p:nvSpPr>
+        <p:spPr/>
+        <p:txBody>
+          <a:bodyPr/>
+          <a:lstStyle/>
+          <a:p>
+            <a:r>
+              <a:rPr lang="zh-CN" altLang="en-US" dirty="0">
+                <a:latin typeface="微软雅黑" panose="020B0503020204020204" pitchFamily="34" charset="-122"/>
+                <a:ea typeface="微软雅黑" panose="020B0503020204020204" pitchFamily="34" charset="-122"/>
+              </a:rPr>
+              <a:t>切点、切面、创建代理等</a:t>
+            </a:r>
+          </a:p>
+        </p:txBody>
+      </p:sp>
     </p:spTree>
     <p:extLst>
       <p:ext uri="{BB962C8B-B14F-4D97-AF65-F5344CB8AC3E}">
-        <p14:creationId xmlns:p14="http://schemas.microsoft.com/office/powerpoint/2010/main" val="2545497997"/>
+        <p14:creationId xmlns:p14="http://schemas.microsoft.com/office/powerpoint/2010/main" val="3954652233"/>
       </p:ext>
     </p:extLst>
   </p:cSld>

--- a/spring aop 原理.pptx
+++ b/spring aop 原理.pptx
@@ -297,7 +297,7 @@
           <a:p>
             <a:fld id="{DAF0B3A2-24B6-456C-AEC9-64D6EF20FEE1}" type="datetimeFigureOut">
               <a:rPr lang="zh-CN" altLang="en-US" smtClean="0"/>
-              <a:t>2019/4/15</a:t>
+              <a:t>2019/4/17</a:t>
             </a:fld>
             <a:endParaRPr lang="zh-CN" altLang="en-US"/>
           </a:p>
@@ -609,7 +609,7 @@
           <a:p>
             <a:fld id="{DAF0B3A2-24B6-456C-AEC9-64D6EF20FEE1}" type="datetimeFigureOut">
               <a:rPr lang="zh-CN" altLang="en-US" smtClean="0"/>
-              <a:t>2019/4/15</a:t>
+              <a:t>2019/4/17</a:t>
             </a:fld>
             <a:endParaRPr lang="zh-CN" altLang="en-US"/>
           </a:p>
@@ -831,7 +831,7 @@
           <a:p>
             <a:fld id="{DAF0B3A2-24B6-456C-AEC9-64D6EF20FEE1}" type="datetimeFigureOut">
               <a:rPr lang="zh-CN" altLang="en-US" smtClean="0"/>
-              <a:t>2019/4/15</a:t>
+              <a:t>2019/4/17</a:t>
             </a:fld>
             <a:endParaRPr lang="zh-CN" altLang="en-US"/>
           </a:p>
@@ -1122,7 +1122,7 @@
           <a:p>
             <a:fld id="{DAF0B3A2-24B6-456C-AEC9-64D6EF20FEE1}" type="datetimeFigureOut">
               <a:rPr lang="zh-CN" altLang="en-US" smtClean="0"/>
-              <a:t>2019/4/15</a:t>
+              <a:t>2019/4/17</a:t>
             </a:fld>
             <a:endParaRPr lang="zh-CN" altLang="en-US"/>
           </a:p>
@@ -1576,7 +1576,7 @@
           <a:p>
             <a:fld id="{DAF0B3A2-24B6-456C-AEC9-64D6EF20FEE1}" type="datetimeFigureOut">
               <a:rPr lang="zh-CN" altLang="en-US" smtClean="0"/>
-              <a:t>2019/4/15</a:t>
+              <a:t>2019/4/17</a:t>
             </a:fld>
             <a:endParaRPr lang="zh-CN" altLang="en-US"/>
           </a:p>
@@ -2152,7 +2152,7 @@
           <a:p>
             <a:fld id="{DAF0B3A2-24B6-456C-AEC9-64D6EF20FEE1}" type="datetimeFigureOut">
               <a:rPr lang="zh-CN" altLang="en-US" smtClean="0"/>
-              <a:t>2019/4/15</a:t>
+              <a:t>2019/4/17</a:t>
             </a:fld>
             <a:endParaRPr lang="zh-CN" altLang="en-US"/>
           </a:p>
@@ -3004,7 +3004,7 @@
           <a:p>
             <a:fld id="{DAF0B3A2-24B6-456C-AEC9-64D6EF20FEE1}" type="datetimeFigureOut">
               <a:rPr lang="zh-CN" altLang="en-US" smtClean="0"/>
-              <a:t>2019/4/15</a:t>
+              <a:t>2019/4/17</a:t>
             </a:fld>
             <a:endParaRPr lang="zh-CN" altLang="en-US"/>
           </a:p>
@@ -3209,7 +3209,7 @@
           <a:p>
             <a:fld id="{DAF0B3A2-24B6-456C-AEC9-64D6EF20FEE1}" type="datetimeFigureOut">
               <a:rPr lang="zh-CN" altLang="en-US" smtClean="0"/>
-              <a:t>2019/4/15</a:t>
+              <a:t>2019/4/17</a:t>
             </a:fld>
             <a:endParaRPr lang="zh-CN" altLang="en-US"/>
           </a:p>
@@ -3423,7 +3423,7 @@
           <a:p>
             <a:fld id="{DAF0B3A2-24B6-456C-AEC9-64D6EF20FEE1}" type="datetimeFigureOut">
               <a:rPr lang="zh-CN" altLang="en-US" smtClean="0"/>
-              <a:t>2019/4/15</a:t>
+              <a:t>2019/4/17</a:t>
             </a:fld>
             <a:endParaRPr lang="zh-CN" altLang="en-US"/>
           </a:p>
@@ -3593,7 +3593,7 @@
           <a:p>
             <a:fld id="{DAF0B3A2-24B6-456C-AEC9-64D6EF20FEE1}" type="datetimeFigureOut">
               <a:rPr lang="zh-CN" altLang="en-US" smtClean="0"/>
-              <a:t>2019/4/15</a:t>
+              <a:t>2019/4/17</a:t>
             </a:fld>
             <a:endParaRPr lang="zh-CN" altLang="en-US"/>
           </a:p>
@@ -3798,7 +3798,7 @@
           <a:p>
             <a:fld id="{DAF0B3A2-24B6-456C-AEC9-64D6EF20FEE1}" type="datetimeFigureOut">
               <a:rPr lang="zh-CN" altLang="en-US" smtClean="0"/>
-              <a:t>2019/4/15</a:t>
+              <a:t>2019/4/17</a:t>
             </a:fld>
             <a:endParaRPr lang="zh-CN" altLang="en-US"/>
           </a:p>
@@ -4078,7 +4078,7 @@
           <a:p>
             <a:fld id="{DAF0B3A2-24B6-456C-AEC9-64D6EF20FEE1}" type="datetimeFigureOut">
               <a:rPr lang="zh-CN" altLang="en-US" smtClean="0"/>
-              <a:t>2019/4/15</a:t>
+              <a:t>2019/4/17</a:t>
             </a:fld>
             <a:endParaRPr lang="zh-CN" altLang="en-US"/>
           </a:p>
@@ -4345,7 +4345,7 @@
           <a:p>
             <a:fld id="{DAF0B3A2-24B6-456C-AEC9-64D6EF20FEE1}" type="datetimeFigureOut">
               <a:rPr lang="zh-CN" altLang="en-US" smtClean="0"/>
-              <a:t>2019/4/15</a:t>
+              <a:t>2019/4/17</a:t>
             </a:fld>
             <a:endParaRPr lang="zh-CN" altLang="en-US"/>
           </a:p>
@@ -4760,7 +4760,7 @@
           <a:p>
             <a:fld id="{DAF0B3A2-24B6-456C-AEC9-64D6EF20FEE1}" type="datetimeFigureOut">
               <a:rPr lang="zh-CN" altLang="en-US" smtClean="0"/>
-              <a:t>2019/4/15</a:t>
+              <a:t>2019/4/17</a:t>
             </a:fld>
             <a:endParaRPr lang="zh-CN" altLang="en-US"/>
           </a:p>
@@ -4908,7 +4908,7 @@
           <a:p>
             <a:fld id="{DAF0B3A2-24B6-456C-AEC9-64D6EF20FEE1}" type="datetimeFigureOut">
               <a:rPr lang="zh-CN" altLang="en-US" smtClean="0"/>
-              <a:t>2019/4/15</a:t>
+              <a:t>2019/4/17</a:t>
             </a:fld>
             <a:endParaRPr lang="zh-CN" altLang="en-US"/>
           </a:p>
@@ -5033,7 +5033,7 @@
           <a:p>
             <a:fld id="{DAF0B3A2-24B6-456C-AEC9-64D6EF20FEE1}" type="datetimeFigureOut">
               <a:rPr lang="zh-CN" altLang="en-US" smtClean="0"/>
-              <a:t>2019/4/15</a:t>
+              <a:t>2019/4/17</a:t>
             </a:fld>
             <a:endParaRPr lang="zh-CN" altLang="en-US"/>
           </a:p>
@@ -5312,7 +5312,7 @@
           <a:p>
             <a:fld id="{DAF0B3A2-24B6-456C-AEC9-64D6EF20FEE1}" type="datetimeFigureOut">
               <a:rPr lang="zh-CN" altLang="en-US" smtClean="0"/>
-              <a:t>2019/4/15</a:t>
+              <a:t>2019/4/17</a:t>
             </a:fld>
             <a:endParaRPr lang="zh-CN" altLang="en-US"/>
           </a:p>
@@ -5624,7 +5624,7 @@
           <a:p>
             <a:fld id="{DAF0B3A2-24B6-456C-AEC9-64D6EF20FEE1}" type="datetimeFigureOut">
               <a:rPr lang="zh-CN" altLang="en-US" smtClean="0"/>
-              <a:t>2019/4/15</a:t>
+              <a:t>2019/4/17</a:t>
             </a:fld>
             <a:endParaRPr lang="zh-CN" altLang="en-US"/>
           </a:p>
@@ -5877,7 +5877,7 @@
           <a:p>
             <a:fld id="{DAF0B3A2-24B6-456C-AEC9-64D6EF20FEE1}" type="datetimeFigureOut">
               <a:rPr lang="zh-CN" altLang="en-US" smtClean="0"/>
-              <a:t>2019/4/15</a:t>
+              <a:t>2019/4/17</a:t>
             </a:fld>
             <a:endParaRPr lang="zh-CN" altLang="en-US"/>
           </a:p>
@@ -10979,10 +10979,10 @@
       </p:grpSpPr>
       <p:pic>
         <p:nvPicPr>
-          <p:cNvPr id="4" name="图片 3">
+          <p:cNvPr id="2" name="图片 1">
             <a:extLst>
               <a:ext uri="{FF2B5EF4-FFF2-40B4-BE49-F238E27FC236}">
-                <a16:creationId xmlns:a16="http://schemas.microsoft.com/office/drawing/2014/main" id="{6F6131B9-E8B9-49CE-B035-773E6172CD73}"/>
+                <a16:creationId xmlns:a16="http://schemas.microsoft.com/office/drawing/2014/main" id="{9E3810CC-7FCF-4E05-8758-37AF104AB1F8}"/>
               </a:ext>
             </a:extLst>
           </p:cNvPr>
@@ -10999,8 +10999,8 @@
         </p:blipFill>
         <p:spPr>
           <a:xfrm>
-            <a:off x="0" y="1637072"/>
-            <a:ext cx="12192000" cy="3583855"/>
+            <a:off x="1812388" y="0"/>
+            <a:ext cx="8567224" cy="6858000"/>
           </a:xfrm>
           <a:prstGeom prst="rect">
             <a:avLst/>
